--- a/Omicrons_Project1_FinalVersion.pptx
+++ b/Omicrons_Project1_FinalVersion.pptx
@@ -278,7 +278,7 @@
           <a:p>
             <a:fld id="{9CE35CB7-27B4-43AE-8212-7265101C1175}" type="datetimeFigureOut">
               <a:rPr lang="es-MX" smtClean="0"/>
-              <a:t>31/10/2020</a:t>
+              <a:t>03/11/2020</a:t>
             </a:fld>
             <a:endParaRPr lang="es-MX"/>
           </a:p>
@@ -478,7 +478,7 @@
           <a:p>
             <a:fld id="{9CE35CB7-27B4-43AE-8212-7265101C1175}" type="datetimeFigureOut">
               <a:rPr lang="es-MX" smtClean="0"/>
-              <a:t>31/10/2020</a:t>
+              <a:t>03/11/2020</a:t>
             </a:fld>
             <a:endParaRPr lang="es-MX"/>
           </a:p>
@@ -688,7 +688,7 @@
           <a:p>
             <a:fld id="{9CE35CB7-27B4-43AE-8212-7265101C1175}" type="datetimeFigureOut">
               <a:rPr lang="es-MX" smtClean="0"/>
-              <a:t>31/10/2020</a:t>
+              <a:t>03/11/2020</a:t>
             </a:fld>
             <a:endParaRPr lang="es-MX"/>
           </a:p>
@@ -888,7 +888,7 @@
           <a:p>
             <a:fld id="{9CE35CB7-27B4-43AE-8212-7265101C1175}" type="datetimeFigureOut">
               <a:rPr lang="es-MX" smtClean="0"/>
-              <a:t>31/10/2020</a:t>
+              <a:t>03/11/2020</a:t>
             </a:fld>
             <a:endParaRPr lang="es-MX"/>
           </a:p>
@@ -1164,7 +1164,7 @@
           <a:p>
             <a:fld id="{9CE35CB7-27B4-43AE-8212-7265101C1175}" type="datetimeFigureOut">
               <a:rPr lang="es-MX" smtClean="0"/>
-              <a:t>31/10/2020</a:t>
+              <a:t>03/11/2020</a:t>
             </a:fld>
             <a:endParaRPr lang="es-MX"/>
           </a:p>
@@ -1432,7 +1432,7 @@
           <a:p>
             <a:fld id="{9CE35CB7-27B4-43AE-8212-7265101C1175}" type="datetimeFigureOut">
               <a:rPr lang="es-MX" smtClean="0"/>
-              <a:t>31/10/2020</a:t>
+              <a:t>03/11/2020</a:t>
             </a:fld>
             <a:endParaRPr lang="es-MX"/>
           </a:p>
@@ -1847,7 +1847,7 @@
           <a:p>
             <a:fld id="{9CE35CB7-27B4-43AE-8212-7265101C1175}" type="datetimeFigureOut">
               <a:rPr lang="es-MX" smtClean="0"/>
-              <a:t>31/10/2020</a:t>
+              <a:t>03/11/2020</a:t>
             </a:fld>
             <a:endParaRPr lang="es-MX"/>
           </a:p>
@@ -1989,7 +1989,7 @@
           <a:p>
             <a:fld id="{9CE35CB7-27B4-43AE-8212-7265101C1175}" type="datetimeFigureOut">
               <a:rPr lang="es-MX" smtClean="0"/>
-              <a:t>31/10/2020</a:t>
+              <a:t>03/11/2020</a:t>
             </a:fld>
             <a:endParaRPr lang="es-MX"/>
           </a:p>
@@ -2102,7 +2102,7 @@
           <a:p>
             <a:fld id="{9CE35CB7-27B4-43AE-8212-7265101C1175}" type="datetimeFigureOut">
               <a:rPr lang="es-MX" smtClean="0"/>
-              <a:t>31/10/2020</a:t>
+              <a:t>03/11/2020</a:t>
             </a:fld>
             <a:endParaRPr lang="es-MX"/>
           </a:p>
@@ -2415,7 +2415,7 @@
           <a:p>
             <a:fld id="{9CE35CB7-27B4-43AE-8212-7265101C1175}" type="datetimeFigureOut">
               <a:rPr lang="es-MX" smtClean="0"/>
-              <a:t>31/10/2020</a:t>
+              <a:t>03/11/2020</a:t>
             </a:fld>
             <a:endParaRPr lang="es-MX"/>
           </a:p>
@@ -2704,7 +2704,7 @@
           <a:p>
             <a:fld id="{9CE35CB7-27B4-43AE-8212-7265101C1175}" type="datetimeFigureOut">
               <a:rPr lang="es-MX" smtClean="0"/>
-              <a:t>31/10/2020</a:t>
+              <a:t>03/11/2020</a:t>
             </a:fld>
             <a:endParaRPr lang="es-MX"/>
           </a:p>
@@ -2947,7 +2947,7 @@
           <a:p>
             <a:fld id="{9CE35CB7-27B4-43AE-8212-7265101C1175}" type="datetimeFigureOut">
               <a:rPr lang="es-MX" smtClean="0"/>
-              <a:t>31/10/2020</a:t>
+              <a:t>03/11/2020</a:t>
             </a:fld>
             <a:endParaRPr lang="es-MX"/>
           </a:p>
@@ -9430,14 +9430,14 @@
             <a:pPr algn="just"/>
             <a:r>
               <a:rPr lang="en-US" sz="1800" dirty="0"/>
-              <a:t>When we looked at the historical data for the last 11 years (1976-2016), we can tell the level of participation thru the course of the last years has been increased.</a:t>
+              <a:t>When we looked at the historical data for the last 11 elections (1976-2016), we can tell the level of participation thru the course of the last years has been increased.</a:t>
             </a:r>
           </a:p>
           <a:p>
             <a:pPr algn="just"/>
             <a:r>
               <a:rPr lang="en-US" sz="1800" dirty="0"/>
-              <a:t>Based only on the vote count in which Republican party has won 5 out of the 11 US elections, leaving 6 to Democrats.</a:t>
+              <a:t>Based only on the vote count in which Democrats party has won 6 out of the 11 US elections, leaving 5 to Republicans.</a:t>
             </a:r>
           </a:p>
           <a:p>
